--- a/presentations/source/00-intro.pptx
+++ b/presentations/source/00-intro.pptx
@@ -210,7 +210,7 @@
             <a:fld id="{7307762F-A706-E543-A832-3C298AA3103F}" type="datetimeFigureOut">
               <a:rPr lang="en-US" smtClean="0"/>
               <a:pPr/>
-              <a:t>05/12/2012</a:t>
+              <a:t>11/27/13</a:t>
             </a:fld>
             <a:endParaRPr lang="en-US" dirty="0"/>
           </a:p>
@@ -777,7 +777,7 @@
           <a:p>
             <a:fld id="{875CF0EB-321F-0749-B37A-89BBA859503C}" type="datetimeFigureOut">
               <a:rPr lang="en-US" smtClean="0"/>
-              <a:t>05/12/2012</a:t>
+              <a:t>11/27/13</a:t>
             </a:fld>
             <a:endParaRPr lang="en-US"/>
           </a:p>
@@ -981,7 +981,7 @@
           <a:p>
             <a:fld id="{875CF0EB-321F-0749-B37A-89BBA859503C}" type="datetimeFigureOut">
               <a:rPr lang="en-US" smtClean="0"/>
-              <a:t>05/12/2012</a:t>
+              <a:t>11/27/13</a:t>
             </a:fld>
             <a:endParaRPr lang="en-US"/>
           </a:p>
@@ -1175,7 +1175,7 @@
           <a:p>
             <a:fld id="{875CF0EB-321F-0749-B37A-89BBA859503C}" type="datetimeFigureOut">
               <a:rPr lang="en-US" smtClean="0"/>
-              <a:t>05/12/2012</a:t>
+              <a:t>11/27/13</a:t>
             </a:fld>
             <a:endParaRPr lang="en-US"/>
           </a:p>
@@ -1445,7 +1445,7 @@
           <a:p>
             <a:fld id="{875CF0EB-321F-0749-B37A-89BBA859503C}" type="datetimeFigureOut">
               <a:rPr lang="en-US" smtClean="0"/>
-              <a:t>05/12/2012</a:t>
+              <a:t>11/27/13</a:t>
             </a:fld>
             <a:endParaRPr lang="en-US"/>
           </a:p>
@@ -1757,7 +1757,7 @@
           <a:p>
             <a:fld id="{875CF0EB-321F-0749-B37A-89BBA859503C}" type="datetimeFigureOut">
               <a:rPr lang="en-US" smtClean="0"/>
-              <a:t>05/12/2012</a:t>
+              <a:t>11/27/13</a:t>
             </a:fld>
             <a:endParaRPr lang="en-US"/>
           </a:p>
@@ -2203,7 +2203,7 @@
           <a:p>
             <a:fld id="{875CF0EB-321F-0749-B37A-89BBA859503C}" type="datetimeFigureOut">
               <a:rPr lang="en-US" smtClean="0"/>
-              <a:t>05/12/2012</a:t>
+              <a:t>11/27/13</a:t>
             </a:fld>
             <a:endParaRPr lang="en-US"/>
           </a:p>
@@ -2345,7 +2345,7 @@
           <a:p>
             <a:fld id="{875CF0EB-321F-0749-B37A-89BBA859503C}" type="datetimeFigureOut">
               <a:rPr lang="en-US" smtClean="0"/>
-              <a:t>05/12/2012</a:t>
+              <a:t>11/27/13</a:t>
             </a:fld>
             <a:endParaRPr lang="en-US"/>
           </a:p>
@@ -2464,7 +2464,7 @@
           <a:p>
             <a:fld id="{875CF0EB-321F-0749-B37A-89BBA859503C}" type="datetimeFigureOut">
               <a:rPr lang="en-US" smtClean="0"/>
-              <a:t>05/12/2012</a:t>
+              <a:t>11/27/13</a:t>
             </a:fld>
             <a:endParaRPr lang="en-US"/>
           </a:p>
@@ -2765,7 +2765,7 @@
           <a:p>
             <a:fld id="{875CF0EB-321F-0749-B37A-89BBA859503C}" type="datetimeFigureOut">
               <a:rPr lang="en-US" smtClean="0"/>
-              <a:t>05/12/2012</a:t>
+              <a:t>11/27/13</a:t>
             </a:fld>
             <a:endParaRPr lang="en-US"/>
           </a:p>
@@ -3042,7 +3042,7 @@
           <a:p>
             <a:fld id="{875CF0EB-321F-0749-B37A-89BBA859503C}" type="datetimeFigureOut">
               <a:rPr lang="en-US" smtClean="0"/>
-              <a:t>05/12/2012</a:t>
+              <a:t>11/27/13</a:t>
             </a:fld>
             <a:endParaRPr lang="en-US"/>
           </a:p>
@@ -4399,8 +4399,29 @@
                 <a:ea typeface="ヒラギノ角ゴ ProN W3" charset="0"/>
                 <a:cs typeface="ヒラギノ角ゴ ProN W3" charset="0"/>
               </a:rPr>
-              <a:t>MSc in Computation (1995)</a:t>
-            </a:r>
+              <a:t>MSc in Computation (1995</a:t>
+            </a:r>
+            <a:r>
+              <a:rPr lang="en-US" sz="2000" dirty="0" smtClean="0">
+                <a:ea typeface="ヒラギノ角ゴ ProN W3" charset="0"/>
+                <a:cs typeface="ヒラギノ角ゴ ProN W3" charset="0"/>
+              </a:rPr>
+              <a:t>)</a:t>
+            </a:r>
+          </a:p>
+          <a:p>
+            <a:pPr eaLnBrk="1" hangingPunct="1"/>
+            <a:r>
+              <a:rPr lang="en-US" sz="2000" dirty="0" smtClean="0">
+                <a:ea typeface="ヒラギノ角ゴ ProN W3" charset="0"/>
+                <a:cs typeface="ヒラギノ角ゴ ProN W3" charset="0"/>
+              </a:rPr>
+              <a:t>Part time PhD student</a:t>
+            </a:r>
+            <a:endParaRPr lang="en-US" sz="2000" dirty="0">
+              <a:ea typeface="ヒラギノ角ゴ ProN W3" charset="0"/>
+              <a:cs typeface="ヒラギノ角ゴ ProN W3" charset="0"/>
+            </a:endParaRPr>
           </a:p>
           <a:p>
             <a:pPr eaLnBrk="1" hangingPunct="1"/>
@@ -4618,10 +4639,15 @@
           </p:cNvGraphicFramePr>
           <p:nvPr>
             <p:ph idx="1"/>
+            <p:extLst>
+              <p:ext uri="{D42A27DB-BD31-4B8C-83A1-F6EECF244321}">
+                <p14:modId xmlns:p14="http://schemas.microsoft.com/office/powerpoint/2010/main" val="86054601"/>
+              </p:ext>
+            </p:extLst>
           </p:nvPr>
         </p:nvGraphicFramePr>
         <p:xfrm>
-          <a:off x="457646" y="1600646"/>
+          <a:off x="457646" y="1172857"/>
           <a:ext cx="8063510" cy="4735727"/>
         </p:xfrm>
         <a:graphic>
@@ -4714,7 +4740,7 @@
                   <a:tcPr marL="64294" marR="64294" marT="32147" marB="32147"/>
                 </a:tc>
               </a:tr>
-              <a:tr h="1350179">
+              <a:tr h="365451">
                 <a:tc>
                   <a:txBody>
                     <a:bodyPr/>
@@ -6983,18 +7009,18 @@
               <a:t>Architectural Styles </a:t>
             </a:r>
             <a:r>
-              <a:rPr lang="en-US" sz="2400" i="1" dirty="0" err="1">
-                <a:ea typeface="ヒラギノ角ゴ ProN W3" charset="0"/>
-                <a:cs typeface="ヒラギノ角ゴ ProN W3" charset="0"/>
-              </a:rPr>
-              <a:t>andthe</a:t>
+              <a:rPr lang="en-US" sz="2400" i="1" dirty="0" smtClean="0">
+                <a:ea typeface="ヒラギノ角ゴ ProN W3" charset="0"/>
+                <a:cs typeface="ヒラギノ角ゴ ProN W3" charset="0"/>
+              </a:rPr>
+              <a:t>and the </a:t>
             </a:r>
             <a:r>
               <a:rPr lang="en-US" sz="2400" i="1" dirty="0">
                 <a:ea typeface="ヒラギノ角ゴ ProN W3" charset="0"/>
                 <a:cs typeface="ヒラギノ角ゴ ProN W3" charset="0"/>
               </a:rPr>
-              <a:t> Design of Network-based Software Architectures, </a:t>
+              <a:t>Design of Network-based Software Architectures, </a:t>
             </a:r>
             <a:r>
               <a:rPr lang="en-US" sz="2400" dirty="0">

--- a/presentations/source/00-intro.pptx
+++ b/presentations/source/00-intro.pptx
@@ -3979,12 +3979,23 @@
           <a:p>
             <a:pPr eaLnBrk="1" hangingPunct="1"/>
             <a:r>
-              <a:rPr lang="en-US" dirty="0">
-                <a:ea typeface="ヒラギノ角ゴ ProN W3" charset="0"/>
-                <a:cs typeface="ヒラギノ角ゴ ProN W3" charset="0"/>
-              </a:rPr>
-              <a:t>Dec 2012</a:t>
-            </a:r>
+              <a:rPr lang="en-US">
+                <a:ea typeface="ヒラギノ角ゴ ProN W3" charset="0"/>
+                <a:cs typeface="ヒラギノ角ゴ ProN W3" charset="0"/>
+              </a:rPr>
+              <a:t>Dec </a:t>
+            </a:r>
+            <a:r>
+              <a:rPr lang="en-US" smtClean="0">
+                <a:ea typeface="ヒラギノ角ゴ ProN W3" charset="0"/>
+                <a:cs typeface="ヒラギノ角ゴ ProN W3" charset="0"/>
+              </a:rPr>
+              <a:t>2013</a:t>
+            </a:r>
+            <a:endParaRPr lang="en-US" dirty="0">
+              <a:ea typeface="ヒラギノ角ゴ ProN W3" charset="0"/>
+              <a:cs typeface="ヒラギノ角ゴ ProN W3" charset="0"/>
+            </a:endParaRPr>
           </a:p>
         </p:txBody>
       </p:sp>

--- a/presentations/source/00-intro.pptx
+++ b/presentations/source/00-intro.pptx
@@ -210,7 +210,7 @@
             <a:fld id="{7307762F-A706-E543-A832-3C298AA3103F}" type="datetimeFigureOut">
               <a:rPr lang="en-US" smtClean="0"/>
               <a:pPr/>
-              <a:t>11/27/13</a:t>
+              <a:t>11/21/14</a:t>
             </a:fld>
             <a:endParaRPr lang="en-US" dirty="0"/>
           </a:p>
@@ -777,7 +777,7 @@
           <a:p>
             <a:fld id="{875CF0EB-321F-0749-B37A-89BBA859503C}" type="datetimeFigureOut">
               <a:rPr lang="en-US" smtClean="0"/>
-              <a:t>11/27/13</a:t>
+              <a:t>11/21/14</a:t>
             </a:fld>
             <a:endParaRPr lang="en-US"/>
           </a:p>
@@ -981,7 +981,7 @@
           <a:p>
             <a:fld id="{875CF0EB-321F-0749-B37A-89BBA859503C}" type="datetimeFigureOut">
               <a:rPr lang="en-US" smtClean="0"/>
-              <a:t>11/27/13</a:t>
+              <a:t>11/21/14</a:t>
             </a:fld>
             <a:endParaRPr lang="en-US"/>
           </a:p>
@@ -1175,7 +1175,7 @@
           <a:p>
             <a:fld id="{875CF0EB-321F-0749-B37A-89BBA859503C}" type="datetimeFigureOut">
               <a:rPr lang="en-US" smtClean="0"/>
-              <a:t>11/27/13</a:t>
+              <a:t>11/21/14</a:t>
             </a:fld>
             <a:endParaRPr lang="en-US"/>
           </a:p>
@@ -1445,7 +1445,7 @@
           <a:p>
             <a:fld id="{875CF0EB-321F-0749-B37A-89BBA859503C}" type="datetimeFigureOut">
               <a:rPr lang="en-US" smtClean="0"/>
-              <a:t>11/27/13</a:t>
+              <a:t>11/21/14</a:t>
             </a:fld>
             <a:endParaRPr lang="en-US"/>
           </a:p>
@@ -1757,7 +1757,7 @@
           <a:p>
             <a:fld id="{875CF0EB-321F-0749-B37A-89BBA859503C}" type="datetimeFigureOut">
               <a:rPr lang="en-US" smtClean="0"/>
-              <a:t>11/27/13</a:t>
+              <a:t>11/21/14</a:t>
             </a:fld>
             <a:endParaRPr lang="en-US"/>
           </a:p>
@@ -2203,7 +2203,7 @@
           <a:p>
             <a:fld id="{875CF0EB-321F-0749-B37A-89BBA859503C}" type="datetimeFigureOut">
               <a:rPr lang="en-US" smtClean="0"/>
-              <a:t>11/27/13</a:t>
+              <a:t>11/21/14</a:t>
             </a:fld>
             <a:endParaRPr lang="en-US"/>
           </a:p>
@@ -2345,7 +2345,7 @@
           <a:p>
             <a:fld id="{875CF0EB-321F-0749-B37A-89BBA859503C}" type="datetimeFigureOut">
               <a:rPr lang="en-US" smtClean="0"/>
-              <a:t>11/27/13</a:t>
+              <a:t>11/21/14</a:t>
             </a:fld>
             <a:endParaRPr lang="en-US"/>
           </a:p>
@@ -2464,7 +2464,7 @@
           <a:p>
             <a:fld id="{875CF0EB-321F-0749-B37A-89BBA859503C}" type="datetimeFigureOut">
               <a:rPr lang="en-US" smtClean="0"/>
-              <a:t>11/27/13</a:t>
+              <a:t>11/21/14</a:t>
             </a:fld>
             <a:endParaRPr lang="en-US"/>
           </a:p>
@@ -2765,7 +2765,7 @@
           <a:p>
             <a:fld id="{875CF0EB-321F-0749-B37A-89BBA859503C}" type="datetimeFigureOut">
               <a:rPr lang="en-US" smtClean="0"/>
-              <a:t>11/27/13</a:t>
+              <a:t>11/21/14</a:t>
             </a:fld>
             <a:endParaRPr lang="en-US"/>
           </a:p>
@@ -3042,7 +3042,7 @@
           <a:p>
             <a:fld id="{875CF0EB-321F-0749-B37A-89BBA859503C}" type="datetimeFigureOut">
               <a:rPr lang="en-US" smtClean="0"/>
-              <a:t>11/27/13</a:t>
+              <a:t>11/21/14</a:t>
             </a:fld>
             <a:endParaRPr lang="en-US"/>
           </a:p>
@@ -3979,18 +3979,18 @@
           <a:p>
             <a:pPr eaLnBrk="1" hangingPunct="1"/>
             <a:r>
-              <a:rPr lang="en-US">
+              <a:rPr lang="en-US" dirty="0">
                 <a:ea typeface="ヒラギノ角ゴ ProN W3" charset="0"/>
                 <a:cs typeface="ヒラギノ角ゴ ProN W3" charset="0"/>
               </a:rPr>
               <a:t>Dec </a:t>
             </a:r>
             <a:r>
-              <a:rPr lang="en-US" smtClean="0">
-                <a:ea typeface="ヒラギノ角ゴ ProN W3" charset="0"/>
-                <a:cs typeface="ヒラギノ角ゴ ProN W3" charset="0"/>
-              </a:rPr>
-              <a:t>2013</a:t>
+              <a:rPr lang="en-US" dirty="0" smtClean="0">
+                <a:ea typeface="ヒラギノ角ゴ ProN W3" charset="0"/>
+                <a:cs typeface="ヒラギノ角ゴ ProN W3" charset="0"/>
+              </a:rPr>
+              <a:t>2014</a:t>
             </a:r>
             <a:endParaRPr lang="en-US" dirty="0">
               <a:ea typeface="ヒラギノ角ゴ ProN W3" charset="0"/>
@@ -4017,6 +4017,13 @@
       <p:transition xmlns:p14="http://schemas.microsoft.com/office/powerpoint/2010/main" spd="slow"/>
     </mc:Fallback>
   </mc:AlternateContent>
+  <p:timing>
+    <p:tnLst>
+      <p:par>
+        <p:cTn xmlns:p14="http://schemas.microsoft.com/office/powerpoint/2010/main" id="1" dur="indefinite" restart="never" nodeType="tmRoot"/>
+      </p:par>
+    </p:tnLst>
+  </p:timing>
 </p:sld>
 </file>
 
@@ -4197,6 +4204,13 @@
       <p:transition xmlns:p14="http://schemas.microsoft.com/office/powerpoint/2010/main" spd="slow"/>
     </mc:Fallback>
   </mc:AlternateContent>
+  <p:timing>
+    <p:tnLst>
+      <p:par>
+        <p:cTn xmlns:p14="http://schemas.microsoft.com/office/powerpoint/2010/main" id="1" dur="indefinite" restart="never" nodeType="tmRoot"/>
+      </p:par>
+    </p:tnLst>
+  </p:timing>
 </p:sld>
 </file>
 
@@ -4518,6 +4532,13 @@
       <p:transition xmlns:p14="http://schemas.microsoft.com/office/powerpoint/2010/main" spd="slow"/>
     </mc:Fallback>
   </mc:AlternateContent>
+  <p:timing>
+    <p:tnLst>
+      <p:par>
+        <p:cTn xmlns:p14="http://schemas.microsoft.com/office/powerpoint/2010/main" id="1" dur="indefinite" restart="never" nodeType="tmRoot"/>
+      </p:par>
+    </p:tnLst>
+  </p:timing>
 </p:sld>
 </file>
 
@@ -4571,6 +4592,13 @@
   <p:clrMapOvr>
     <a:masterClrMapping/>
   </p:clrMapOvr>
+  <p:timing>
+    <p:tnLst>
+      <p:par>
+        <p:cTn xmlns:p14="http://schemas.microsoft.com/office/powerpoint/2010/main" id="1" dur="indefinite" restart="never" nodeType="tmRoot"/>
+      </p:par>
+    </p:tnLst>
+  </p:timing>
 </p:sld>
 </file>
 
@@ -5150,6 +5178,13 @@
       <p:transition xmlns:p14="http://schemas.microsoft.com/office/powerpoint/2010/main" spd="slow"/>
     </mc:Fallback>
   </mc:AlternateContent>
+  <p:timing>
+    <p:tnLst>
+      <p:par>
+        <p:cTn xmlns:p14="http://schemas.microsoft.com/office/powerpoint/2010/main" id="1" dur="indefinite" restart="never" nodeType="tmRoot"/>
+      </p:par>
+    </p:tnLst>
+  </p:timing>
 </p:sld>
 </file>
 
@@ -5292,6 +5327,13 @@
       <p:transition xmlns:p14="http://schemas.microsoft.com/office/powerpoint/2010/main" spd="slow"/>
     </mc:Fallback>
   </mc:AlternateContent>
+  <p:timing>
+    <p:tnLst>
+      <p:par>
+        <p:cTn xmlns:p14="http://schemas.microsoft.com/office/powerpoint/2010/main" id="1" dur="indefinite" restart="never" nodeType="tmRoot"/>
+      </p:par>
+    </p:tnLst>
+  </p:timing>
 </p:sld>
 </file>
 
@@ -5492,6 +5534,13 @@
       <p:transition xmlns:p14="http://schemas.microsoft.com/office/powerpoint/2010/main" spd="slow"/>
     </mc:Fallback>
   </mc:AlternateContent>
+  <p:timing>
+    <p:tnLst>
+      <p:par>
+        <p:cTn xmlns:p14="http://schemas.microsoft.com/office/powerpoint/2010/main" id="1" dur="indefinite" restart="never" nodeType="tmRoot"/>
+      </p:par>
+    </p:tnLst>
+  </p:timing>
 </p:sld>
 </file>
 
@@ -5672,6 +5721,13 @@
       <p:transition xmlns:p14="http://schemas.microsoft.com/office/powerpoint/2010/main" spd="slow"/>
     </mc:Fallback>
   </mc:AlternateContent>
+  <p:timing>
+    <p:tnLst>
+      <p:par>
+        <p:cTn xmlns:p14="http://schemas.microsoft.com/office/powerpoint/2010/main" id="1" dur="indefinite" restart="never" nodeType="tmRoot"/>
+      </p:par>
+    </p:tnLst>
+  </p:timing>
 </p:sld>
 </file>
 
@@ -5874,6 +5930,13 @@
       <p:transition xmlns:p14="http://schemas.microsoft.com/office/powerpoint/2010/main" spd="slow"/>
     </mc:Fallback>
   </mc:AlternateContent>
+  <p:timing>
+    <p:tnLst>
+      <p:par>
+        <p:cTn xmlns:p14="http://schemas.microsoft.com/office/powerpoint/2010/main" id="1" dur="indefinite" restart="never" nodeType="tmRoot"/>
+      </p:par>
+    </p:tnLst>
+  </p:timing>
 </p:sld>
 </file>
 
@@ -5982,7 +6045,7 @@
             <a:prstTxWarp prst="textNoShape">
               <a:avLst/>
             </a:prstTxWarp>
-            <a:normAutofit/>
+            <a:normAutofit lnSpcReduction="10000"/>
           </a:bodyPr>
           <a:lstStyle/>
           <a:p>
@@ -6064,11 +6127,25 @@
               <a:t>-*, </a:t>
             </a:r>
             <a:r>
-              <a:rPr lang="en-US" sz="2800" dirty="0" err="1">
+              <a:rPr lang="en-US" sz="2800" dirty="0" err="1" smtClean="0">
                 <a:ea typeface="ヒラギノ角ゴ ProN W3" charset="0"/>
                 <a:cs typeface="ヒラギノ角ゴ ProN W3" charset="0"/>
               </a:rPr>
               <a:t>etc</a:t>
+            </a:r>
+            <a:endParaRPr lang="en-US" sz="2800" dirty="0" smtClean="0">
+              <a:ea typeface="ヒラギノ角ゴ ProN W3" charset="0"/>
+              <a:cs typeface="ヒラギノ角ゴ ProN W3" charset="0"/>
+            </a:endParaRPr>
+          </a:p>
+          <a:p>
+            <a:pPr eaLnBrk="1" hangingPunct="1"/>
+            <a:r>
+              <a:rPr lang="en-US" sz="2800" dirty="0" err="1" smtClean="0">
+                <a:ea typeface="ヒラギノ角ゴ ProN W3" charset="0"/>
+                <a:cs typeface="ヒラギノ角ゴ ProN W3" charset="0"/>
+              </a:rPr>
+              <a:t>Microservices</a:t>
             </a:r>
             <a:endParaRPr lang="en-US" sz="2800" dirty="0">
               <a:ea typeface="ヒラギノ角ゴ ProN W3" charset="0"/>
@@ -6136,6 +6213,13 @@
       <p:transition xmlns:p14="http://schemas.microsoft.com/office/powerpoint/2010/main" spd="slow"/>
     </mc:Fallback>
   </mc:AlternateContent>
+  <p:timing>
+    <p:tnLst>
+      <p:par>
+        <p:cTn xmlns:p14="http://schemas.microsoft.com/office/powerpoint/2010/main" id="1" dur="indefinite" restart="never" nodeType="tmRoot"/>
+      </p:par>
+    </p:tnLst>
+  </p:timing>
 </p:sld>
 </file>
 
@@ -6286,6 +6370,13 @@
   <p:clrMapOvr>
     <a:masterClrMapping/>
   </p:clrMapOvr>
+  <p:timing>
+    <p:tnLst>
+      <p:par>
+        <p:cTn xmlns:p14="http://schemas.microsoft.com/office/powerpoint/2010/main" id="1" dur="indefinite" restart="never" nodeType="tmRoot"/>
+      </p:par>
+    </p:tnLst>
+  </p:timing>
 </p:sld>
 </file>
 
@@ -6511,6 +6602,13 @@
       <p:transition xmlns:p14="http://schemas.microsoft.com/office/powerpoint/2010/main" spd="slow"/>
     </mc:Fallback>
   </mc:AlternateContent>
+  <p:timing>
+    <p:tnLst>
+      <p:par>
+        <p:cTn xmlns:p14="http://schemas.microsoft.com/office/powerpoint/2010/main" id="1" dur="indefinite" restart="never" nodeType="tmRoot"/>
+      </p:par>
+    </p:tnLst>
+  </p:timing>
 </p:sld>
 </file>
 
@@ -6681,6 +6779,13 @@
       <p:transition xmlns:p14="http://schemas.microsoft.com/office/powerpoint/2010/main" spd="slow"/>
     </mc:Fallback>
   </mc:AlternateContent>
+  <p:timing>
+    <p:tnLst>
+      <p:par>
+        <p:cTn xmlns:p14="http://schemas.microsoft.com/office/powerpoint/2010/main" id="1" dur="indefinite" restart="never" nodeType="tmRoot"/>
+      </p:par>
+    </p:tnLst>
+  </p:timing>
 </p:sld>
 </file>
 
@@ -7071,6 +7176,13 @@
       <p:transition xmlns:p14="http://schemas.microsoft.com/office/powerpoint/2010/main" spd="slow"/>
     </mc:Fallback>
   </mc:AlternateContent>
+  <p:timing>
+    <p:tnLst>
+      <p:par>
+        <p:cTn xmlns:p14="http://schemas.microsoft.com/office/powerpoint/2010/main" id="1" dur="indefinite" restart="never" nodeType="tmRoot"/>
+      </p:par>
+    </p:tnLst>
+  </p:timing>
 </p:sld>
 </file>
 

--- a/presentations/source/00-intro.pptx
+++ b/presentations/source/00-intro.pptx
@@ -210,7 +210,7 @@
             <a:fld id="{7307762F-A706-E543-A832-3C298AA3103F}" type="datetimeFigureOut">
               <a:rPr lang="en-US" smtClean="0"/>
               <a:pPr/>
-              <a:t>11/21/14</a:t>
+              <a:t>12/1/14</a:t>
             </a:fld>
             <a:endParaRPr lang="en-US" dirty="0"/>
           </a:p>
@@ -777,7 +777,7 @@
           <a:p>
             <a:fld id="{875CF0EB-321F-0749-B37A-89BBA859503C}" type="datetimeFigureOut">
               <a:rPr lang="en-US" smtClean="0"/>
-              <a:t>11/21/14</a:t>
+              <a:t>12/1/14</a:t>
             </a:fld>
             <a:endParaRPr lang="en-US"/>
           </a:p>
@@ -981,7 +981,7 @@
           <a:p>
             <a:fld id="{875CF0EB-321F-0749-B37A-89BBA859503C}" type="datetimeFigureOut">
               <a:rPr lang="en-US" smtClean="0"/>
-              <a:t>11/21/14</a:t>
+              <a:t>12/1/14</a:t>
             </a:fld>
             <a:endParaRPr lang="en-US"/>
           </a:p>
@@ -1175,7 +1175,7 @@
           <a:p>
             <a:fld id="{875CF0EB-321F-0749-B37A-89BBA859503C}" type="datetimeFigureOut">
               <a:rPr lang="en-US" smtClean="0"/>
-              <a:t>11/21/14</a:t>
+              <a:t>12/1/14</a:t>
             </a:fld>
             <a:endParaRPr lang="en-US"/>
           </a:p>
@@ -1445,7 +1445,7 @@
           <a:p>
             <a:fld id="{875CF0EB-321F-0749-B37A-89BBA859503C}" type="datetimeFigureOut">
               <a:rPr lang="en-US" smtClean="0"/>
-              <a:t>11/21/14</a:t>
+              <a:t>12/1/14</a:t>
             </a:fld>
             <a:endParaRPr lang="en-US"/>
           </a:p>
@@ -1757,7 +1757,7 @@
           <a:p>
             <a:fld id="{875CF0EB-321F-0749-B37A-89BBA859503C}" type="datetimeFigureOut">
               <a:rPr lang="en-US" smtClean="0"/>
-              <a:t>11/21/14</a:t>
+              <a:t>12/1/14</a:t>
             </a:fld>
             <a:endParaRPr lang="en-US"/>
           </a:p>
@@ -2203,7 +2203,7 @@
           <a:p>
             <a:fld id="{875CF0EB-321F-0749-B37A-89BBA859503C}" type="datetimeFigureOut">
               <a:rPr lang="en-US" smtClean="0"/>
-              <a:t>11/21/14</a:t>
+              <a:t>12/1/14</a:t>
             </a:fld>
             <a:endParaRPr lang="en-US"/>
           </a:p>
@@ -2345,7 +2345,7 @@
           <a:p>
             <a:fld id="{875CF0EB-321F-0749-B37A-89BBA859503C}" type="datetimeFigureOut">
               <a:rPr lang="en-US" smtClean="0"/>
-              <a:t>11/21/14</a:t>
+              <a:t>12/1/14</a:t>
             </a:fld>
             <a:endParaRPr lang="en-US"/>
           </a:p>
@@ -2464,7 +2464,7 @@
           <a:p>
             <a:fld id="{875CF0EB-321F-0749-B37A-89BBA859503C}" type="datetimeFigureOut">
               <a:rPr lang="en-US" smtClean="0"/>
-              <a:t>11/21/14</a:t>
+              <a:t>12/1/14</a:t>
             </a:fld>
             <a:endParaRPr lang="en-US"/>
           </a:p>
@@ -2765,7 +2765,7 @@
           <a:p>
             <a:fld id="{875CF0EB-321F-0749-B37A-89BBA859503C}" type="datetimeFigureOut">
               <a:rPr lang="en-US" smtClean="0"/>
-              <a:t>11/21/14</a:t>
+              <a:t>12/1/14</a:t>
             </a:fld>
             <a:endParaRPr lang="en-US"/>
           </a:p>
@@ -3042,7 +3042,7 @@
           <a:p>
             <a:fld id="{875CF0EB-321F-0749-B37A-89BBA859503C}" type="datetimeFigureOut">
               <a:rPr lang="en-US" smtClean="0"/>
-              <a:t>11/21/14</a:t>
+              <a:t>12/1/14</a:t>
             </a:fld>
             <a:endParaRPr lang="en-US"/>
           </a:p>
@@ -5874,26 +5874,40 @@
               <a:defRPr/>
             </a:pPr>
             <a:r>
-              <a:rPr lang="en-US" sz="2400" b="1" dirty="0"/>
+              <a:rPr lang="en-US" sz="2400" b="1" dirty="0" smtClean="0"/>
               <a:t>Java</a:t>
             </a:r>
-            <a:endParaRPr lang="en-US" sz="2400" dirty="0"/>
-          </a:p>
-          <a:p>
-            <a:pPr marL="178587" indent="0">
-              <a:buNone/>
+          </a:p>
+          <a:p>
+            <a:pPr lvl="1">
               <a:defRPr/>
             </a:pPr>
             <a:r>
-              <a:rPr lang="en-US" sz="2400" dirty="0"/>
-              <a:t>	Basic Java language skills</a:t>
-            </a:r>
-          </a:p>
-          <a:p>
-            <a:pPr marL="178587" indent="0">
-              <a:buNone/>
+              <a:rPr lang="en-US" sz="2000" dirty="0"/>
+              <a:t>	Basic Java language </a:t>
+            </a:r>
+            <a:r>
+              <a:rPr lang="en-US" sz="2000" dirty="0" smtClean="0"/>
+              <a:t>skills</a:t>
+            </a:r>
+            <a:endParaRPr lang="en-US" sz="2000" b="1" dirty="0" smtClean="0"/>
+          </a:p>
+          <a:p>
+            <a:pPr>
               <a:defRPr/>
             </a:pPr>
+            <a:r>
+              <a:rPr lang="en-US" sz="2400" dirty="0"/>
+              <a:t>Unix </a:t>
+            </a:r>
+            <a:r>
+              <a:rPr lang="en-US" sz="2400"/>
+              <a:t>Command </a:t>
+            </a:r>
+            <a:r>
+              <a:rPr lang="en-US" sz="2400" smtClean="0"/>
+              <a:t>Line</a:t>
+            </a:r>
             <a:endParaRPr lang="en-US" sz="2400" dirty="0"/>
           </a:p>
           <a:p>

--- a/presentations/source/00-intro.pptx
+++ b/presentations/source/00-intro.pptx
@@ -210,7 +210,7 @@
             <a:fld id="{7307762F-A706-E543-A832-3C298AA3103F}" type="datetimeFigureOut">
               <a:rPr lang="en-US" smtClean="0"/>
               <a:pPr/>
-              <a:t>12/1/14</a:t>
+              <a:t>08/09/15</a:t>
             </a:fld>
             <a:endParaRPr lang="en-US" dirty="0"/>
           </a:p>
@@ -777,7 +777,7 @@
           <a:p>
             <a:fld id="{875CF0EB-321F-0749-B37A-89BBA859503C}" type="datetimeFigureOut">
               <a:rPr lang="en-US" smtClean="0"/>
-              <a:t>12/1/14</a:t>
+              <a:t>08/09/15</a:t>
             </a:fld>
             <a:endParaRPr lang="en-US"/>
           </a:p>
@@ -981,7 +981,7 @@
           <a:p>
             <a:fld id="{875CF0EB-321F-0749-B37A-89BBA859503C}" type="datetimeFigureOut">
               <a:rPr lang="en-US" smtClean="0"/>
-              <a:t>12/1/14</a:t>
+              <a:t>08/09/15</a:t>
             </a:fld>
             <a:endParaRPr lang="en-US"/>
           </a:p>
@@ -1175,7 +1175,7 @@
           <a:p>
             <a:fld id="{875CF0EB-321F-0749-B37A-89BBA859503C}" type="datetimeFigureOut">
               <a:rPr lang="en-US" smtClean="0"/>
-              <a:t>12/1/14</a:t>
+              <a:t>08/09/15</a:t>
             </a:fld>
             <a:endParaRPr lang="en-US"/>
           </a:p>
@@ -1445,7 +1445,7 @@
           <a:p>
             <a:fld id="{875CF0EB-321F-0749-B37A-89BBA859503C}" type="datetimeFigureOut">
               <a:rPr lang="en-US" smtClean="0"/>
-              <a:t>12/1/14</a:t>
+              <a:t>08/09/15</a:t>
             </a:fld>
             <a:endParaRPr lang="en-US"/>
           </a:p>
@@ -1757,7 +1757,7 @@
           <a:p>
             <a:fld id="{875CF0EB-321F-0749-B37A-89BBA859503C}" type="datetimeFigureOut">
               <a:rPr lang="en-US" smtClean="0"/>
-              <a:t>12/1/14</a:t>
+              <a:t>08/09/15</a:t>
             </a:fld>
             <a:endParaRPr lang="en-US"/>
           </a:p>
@@ -2203,7 +2203,7 @@
           <a:p>
             <a:fld id="{875CF0EB-321F-0749-B37A-89BBA859503C}" type="datetimeFigureOut">
               <a:rPr lang="en-US" smtClean="0"/>
-              <a:t>12/1/14</a:t>
+              <a:t>08/09/15</a:t>
             </a:fld>
             <a:endParaRPr lang="en-US"/>
           </a:p>
@@ -2345,7 +2345,7 @@
           <a:p>
             <a:fld id="{875CF0EB-321F-0749-B37A-89BBA859503C}" type="datetimeFigureOut">
               <a:rPr lang="en-US" smtClean="0"/>
-              <a:t>12/1/14</a:t>
+              <a:t>08/09/15</a:t>
             </a:fld>
             <a:endParaRPr lang="en-US"/>
           </a:p>
@@ -2464,7 +2464,7 @@
           <a:p>
             <a:fld id="{875CF0EB-321F-0749-B37A-89BBA859503C}" type="datetimeFigureOut">
               <a:rPr lang="en-US" smtClean="0"/>
-              <a:t>12/1/14</a:t>
+              <a:t>08/09/15</a:t>
             </a:fld>
             <a:endParaRPr lang="en-US"/>
           </a:p>
@@ -2765,7 +2765,7 @@
           <a:p>
             <a:fld id="{875CF0EB-321F-0749-B37A-89BBA859503C}" type="datetimeFigureOut">
               <a:rPr lang="en-US" smtClean="0"/>
-              <a:t>12/1/14</a:t>
+              <a:t>08/09/15</a:t>
             </a:fld>
             <a:endParaRPr lang="en-US"/>
           </a:p>
@@ -3042,7 +3042,7 @@
           <a:p>
             <a:fld id="{875CF0EB-321F-0749-B37A-89BBA859503C}" type="datetimeFigureOut">
               <a:rPr lang="en-US" smtClean="0"/>
-              <a:t>12/1/14</a:t>
+              <a:t>08/09/15</a:t>
             </a:fld>
             <a:endParaRPr lang="en-US"/>
           </a:p>
@@ -3979,18 +3979,11 @@
           <a:p>
             <a:pPr eaLnBrk="1" hangingPunct="1"/>
             <a:r>
-              <a:rPr lang="en-US" dirty="0">
-                <a:ea typeface="ヒラギノ角ゴ ProN W3" charset="0"/>
-                <a:cs typeface="ヒラギノ角ゴ ProN W3" charset="0"/>
-              </a:rPr>
-              <a:t>Dec </a:t>
-            </a:r>
-            <a:r>
               <a:rPr lang="en-US" dirty="0" smtClean="0">
                 <a:ea typeface="ヒラギノ角ゴ ProN W3" charset="0"/>
                 <a:cs typeface="ヒラギノ角ゴ ProN W3" charset="0"/>
               </a:rPr>
-              <a:t>2014</a:t>
+              <a:t>Sep 2015</a:t>
             </a:r>
             <a:endParaRPr lang="en-US" dirty="0">
               <a:ea typeface="ヒラギノ角ゴ ProN W3" charset="0"/>
@@ -4132,57 +4125,105 @@
             <a:prstTxWarp prst="textNoShape">
               <a:avLst/>
             </a:prstTxWarp>
+            <a:normAutofit/>
           </a:bodyPr>
           <a:lstStyle/>
           <a:p>
             <a:pPr eaLnBrk="1" hangingPunct="1"/>
             <a:r>
+              <a:rPr lang="en-US" sz="2800" dirty="0">
+                <a:ea typeface="ヒラギノ角ゴ ProN W3" charset="0"/>
+                <a:cs typeface="ヒラギノ角ゴ ProN W3" charset="0"/>
+              </a:rPr>
+              <a:t>Ask questions as we go along</a:t>
+            </a:r>
+          </a:p>
+          <a:p>
+            <a:pPr lvl="1" eaLnBrk="1" hangingPunct="1"/>
+            <a:r>
+              <a:rPr lang="en-US" sz="2400" dirty="0">
+                <a:ea typeface="ヒラギノ角ゴ ProN W3" charset="0"/>
+                <a:cs typeface="ヒラギノ角ゴ ProN W3" charset="0"/>
+              </a:rPr>
+              <a:t>We will “park” any that are better answered later</a:t>
+            </a:r>
+          </a:p>
+          <a:p>
+            <a:pPr lvl="1" eaLnBrk="1" hangingPunct="1"/>
+            <a:r>
+              <a:rPr lang="en-US" sz="2400" dirty="0">
+                <a:ea typeface="ヒラギノ角ゴ ProN W3" charset="0"/>
+                <a:cs typeface="ヒラギノ角ゴ ProN W3" charset="0"/>
+              </a:rPr>
+              <a:t>Don’t wait till the end to ask or raise concerns</a:t>
+            </a:r>
+          </a:p>
+          <a:p>
+            <a:pPr eaLnBrk="1" hangingPunct="1"/>
+            <a:r>
+              <a:rPr lang="en-US" sz="2800" dirty="0">
+                <a:ea typeface="ヒラギノ角ゴ ProN W3" charset="0"/>
+                <a:cs typeface="ヒラギノ角ゴ ProN W3" charset="0"/>
+              </a:rPr>
+              <a:t>Timings are flexible</a:t>
+            </a:r>
+          </a:p>
+          <a:p>
+            <a:pPr eaLnBrk="1" hangingPunct="1"/>
+            <a:r>
+              <a:rPr lang="en-US" sz="2800" dirty="0">
+                <a:ea typeface="ヒラギノ角ゴ ProN W3" charset="0"/>
+                <a:cs typeface="ヒラギノ角ゴ ProN W3" charset="0"/>
+              </a:rPr>
+              <a:t>Please keep mobile phones silent or better still turned </a:t>
+            </a:r>
+            <a:r>
+              <a:rPr lang="en-US" sz="2800" dirty="0" smtClean="0">
+                <a:ea typeface="ヒラギノ角ゴ ProN W3" charset="0"/>
+                <a:cs typeface="ヒラギノ角ゴ ProN W3" charset="0"/>
+              </a:rPr>
+              <a:t>off</a:t>
+            </a:r>
+          </a:p>
+          <a:p>
+            <a:pPr eaLnBrk="1" hangingPunct="1"/>
+            <a:r>
+              <a:rPr lang="en-US" sz="2800" dirty="0" smtClean="0">
+                <a:ea typeface="ヒラギノ角ゴ ProN W3" charset="0"/>
+                <a:cs typeface="ヒラギノ角ゴ ProN W3" charset="0"/>
+              </a:rPr>
+              <a:t>If you have improvements, please submit issues or pull requests:</a:t>
+            </a:r>
+          </a:p>
+          <a:p>
+            <a:pPr lvl="1"/>
+            <a:r>
               <a:rPr lang="en-US" dirty="0">
                 <a:ea typeface="ヒラギノ角ゴ ProN W3" charset="0"/>
                 <a:cs typeface="ヒラギノ角ゴ ProN W3" charset="0"/>
-              </a:rPr>
-              <a:t>Ask questions as we go along</a:t>
-            </a:r>
-          </a:p>
-          <a:p>
-            <a:pPr lvl="1" eaLnBrk="1" hangingPunct="1"/>
-            <a:r>
-              <a:rPr lang="en-US" dirty="0">
-                <a:ea typeface="ヒラギノ角ゴ ProN W3" charset="0"/>
-                <a:cs typeface="ヒラギノ角ゴ ProN W3" charset="0"/>
-              </a:rPr>
-              <a:t>We will “park” any that are better answered later</a:t>
-            </a:r>
-          </a:p>
-          <a:p>
-            <a:pPr lvl="1" eaLnBrk="1" hangingPunct="1"/>
-            <a:r>
-              <a:rPr lang="en-US" dirty="0">
-                <a:ea typeface="ヒラギノ角ゴ ProN W3" charset="0"/>
-                <a:cs typeface="ヒラギノ角ゴ ProN W3" charset="0"/>
-              </a:rPr>
-              <a:t>Don’t wait till the end to ask or raise concerns</a:t>
-            </a:r>
-          </a:p>
-          <a:p>
-            <a:pPr eaLnBrk="1" hangingPunct="1"/>
-            <a:r>
-              <a:rPr lang="en-US" dirty="0">
-                <a:ea typeface="ヒラギノ角ゴ ProN W3" charset="0"/>
-                <a:cs typeface="ヒラギノ角ゴ ProN W3" charset="0"/>
-              </a:rPr>
-              <a:t>Timings are flexible</a:t>
-            </a:r>
-          </a:p>
-          <a:p>
-            <a:pPr eaLnBrk="1" hangingPunct="1"/>
-            <a:r>
-              <a:rPr lang="en-US" dirty="0">
-                <a:ea typeface="ヒラギノ角ゴ ProN W3" charset="0"/>
-                <a:cs typeface="ヒラギノ角ゴ ProN W3" charset="0"/>
-              </a:rPr>
-              <a:t>Please keep mobile phones silent or better still turned off</a:t>
-            </a:r>
+                <a:hlinkClick r:id="rId2"/>
+              </a:rPr>
+              <a:t>https://github.com/pzfreo/ox-soa/issues/</a:t>
+            </a:r>
+            <a:r>
+              <a:rPr lang="en-US" dirty="0" smtClean="0">
+                <a:ea typeface="ヒラギノ角ゴ ProN W3" charset="0"/>
+                <a:cs typeface="ヒラギノ角ゴ ProN W3" charset="0"/>
+                <a:hlinkClick r:id="rId2"/>
+              </a:rPr>
+              <a:t>new</a:t>
+            </a:r>
+            <a:r>
+              <a:rPr lang="en-US" dirty="0" smtClean="0">
+                <a:ea typeface="ヒラギノ角ゴ ProN W3" charset="0"/>
+                <a:cs typeface="ヒラギノ角ゴ ProN W3" charset="0"/>
+              </a:rPr>
+              <a:t> </a:t>
+            </a:r>
+            <a:endParaRPr lang="en-US" dirty="0">
+              <a:ea typeface="ヒラギノ角ゴ ProN W3" charset="0"/>
+              <a:cs typeface="ヒラギノ角ゴ ProN W3" charset="0"/>
+            </a:endParaRPr>
           </a:p>
         </p:txBody>
       </p:sp>
@@ -4680,7 +4721,7 @@
             <p:ph idx="1"/>
             <p:extLst>
               <p:ext uri="{D42A27DB-BD31-4B8C-83A1-F6EECF244321}">
-                <p14:modId xmlns:p14="http://schemas.microsoft.com/office/powerpoint/2010/main" val="86054601"/>
+                <p14:modId xmlns:p14="http://schemas.microsoft.com/office/powerpoint/2010/main" val="2136326771"/>
               </p:ext>
             </p:extLst>
           </p:nvPr>
@@ -4947,7 +4988,11 @@
                     <a:p>
                       <a:r>
                         <a:rPr lang="en-US" sz="1700" dirty="0" smtClean="0"/>
-                        <a:t>BPEL Practical</a:t>
+                        <a:t>Process Management </a:t>
+                      </a:r>
+                      <a:r>
+                        <a:rPr lang="en-US" sz="1700" dirty="0" smtClean="0"/>
+                        <a:t>Practical</a:t>
                       </a:r>
                       <a:endParaRPr lang="en-US" sz="1700" dirty="0"/>
                     </a:p>
@@ -5898,15 +5943,15 @@
             </a:pPr>
             <a:r>
               <a:rPr lang="en-US" sz="2400" dirty="0"/>
-              <a:t>Unix </a:t>
-            </a:r>
-            <a:r>
-              <a:rPr lang="en-US" sz="2400"/>
-              <a:t>Command </a:t>
-            </a:r>
-            <a:r>
-              <a:rPr lang="en-US" sz="2400" smtClean="0"/>
-              <a:t>Line</a:t>
+              <a:t>Unix Command </a:t>
+            </a:r>
+            <a:r>
+              <a:rPr lang="en-US" sz="2400" dirty="0" smtClean="0"/>
+              <a:t>Line / </a:t>
+            </a:r>
+            <a:r>
+              <a:rPr lang="en-US" sz="2400" dirty="0" err="1" smtClean="0"/>
+              <a:t>sh</a:t>
             </a:r>
             <a:endParaRPr lang="en-US" sz="2400" dirty="0"/>
           </a:p>
@@ -6568,11 +6613,18 @@
           <a:p>
             <a:pPr eaLnBrk="1" hangingPunct="1"/>
             <a:r>
+              <a:rPr lang="en-US" dirty="0" smtClean="0">
+                <a:ea typeface="ヒラギノ角ゴ ProN W3" charset="0"/>
+                <a:cs typeface="ヒラギノ角ゴ ProN W3" charset="0"/>
+              </a:rPr>
+              <a:t>BPMN </a:t>
+            </a:r>
+            <a:r>
               <a:rPr lang="en-US" dirty="0">
                 <a:ea typeface="ヒラギノ角ゴ ProN W3" charset="0"/>
                 <a:cs typeface="ヒラギノ角ゴ ProN W3" charset="0"/>
               </a:rPr>
-              <a:t>BPEL and process orchestration</a:t>
+              <a:t>and process orchestration</a:t>
             </a:r>
           </a:p>
           <a:p>
